--- a/Chilling With Crypto Powerpoint.pptx
+++ b/Chilling With Crypto Powerpoint.pptx
@@ -11868,11 +11868,11 @@
   <p:clrMapOvr>
     <a:masterClrMapping/>
   </p:clrMapOvr>
-  <mc:AlternateContent xmlns:mc="http://schemas.openxmlformats.org/markup-compatibility/2006">
-    <mc:Choice xmlns:p14="http://schemas.microsoft.com/office/powerpoint/2010/main" Requires="p14">
+  <mc:AlternateContent xmlns:mc="http://schemas.openxmlformats.org/markup-compatibility/2006" xmlns:p14="http://schemas.microsoft.com/office/powerpoint/2010/main">
+    <mc:Choice Requires="p14">
       <p:transition p14:dur="0"/>
     </mc:Choice>
-    <mc:Fallback>
+    <mc:Fallback xmlns="">
       <p:transition/>
     </mc:Fallback>
   </mc:AlternateContent>
@@ -12072,7 +12072,7 @@
         </p:nvSpPr>
         <p:spPr>
           <a:xfrm>
-            <a:off x="581192" y="2180497"/>
+            <a:off x="237941" y="1694481"/>
             <a:ext cx="11029615" cy="2056224"/>
           </a:xfrm>
         </p:spPr>
@@ -12089,6 +12089,12 @@
             <a:r>
               <a:rPr lang="en-US" dirty="0"/>
               <a:t>Panda Data reader- Datasets for each crypto</a:t>
+            </a:r>
+          </a:p>
+          <a:p>
+            <a:r>
+              <a:rPr lang="en-US" dirty="0"/>
+              <a:t>S&amp;P500 csv  -  provided by Google Finance</a:t>
             </a:r>
           </a:p>
           <a:p>
@@ -12128,7 +12134,7 @@
         </p:blipFill>
         <p:spPr bwMode="auto">
           <a:xfrm>
-            <a:off x="1501029" y="3534241"/>
+            <a:off x="698597" y="3642473"/>
             <a:ext cx="3477695" cy="2586300"/>
           </a:xfrm>
           <a:prstGeom prst="rect">
@@ -12175,8 +12181,55 @@
         </p:blipFill>
         <p:spPr bwMode="auto">
           <a:xfrm>
-            <a:off x="7033920" y="3559217"/>
+            <a:off x="8015710" y="3667449"/>
             <a:ext cx="3836243" cy="2561324"/>
+          </a:xfrm>
+          <a:prstGeom prst="rect">
+            <a:avLst/>
+          </a:prstGeom>
+          <a:noFill/>
+          <a:extLst>
+            <a:ext uri="{909E8E84-426E-40DD-AFC4-6F175D3DCCD1}">
+              <a14:hiddenFill xmlns:a14="http://schemas.microsoft.com/office/drawing/2010/main">
+                <a:solidFill>
+                  <a:srgbClr val="FFFFFF"/>
+                </a:solidFill>
+              </a14:hiddenFill>
+            </a:ext>
+          </a:extLst>
+        </p:spPr>
+      </p:pic>
+      <p:pic>
+        <p:nvPicPr>
+          <p:cNvPr id="1026" name="Picture 2" descr="See the source image">
+            <a:extLst>
+              <a:ext uri="{FF2B5EF4-FFF2-40B4-BE49-F238E27FC236}">
+                <a16:creationId xmlns:a16="http://schemas.microsoft.com/office/drawing/2014/main" id="{F56F6139-9CEA-42CD-8C32-FE8F79E6BCAA}"/>
+              </a:ext>
+            </a:extLst>
+          </p:cNvPr>
+          <p:cNvPicPr>
+            <a:picLocks noChangeAspect="1" noChangeArrowheads="1"/>
+          </p:cNvPicPr>
+          <p:nvPr/>
+        </p:nvPicPr>
+        <p:blipFill>
+          <a:blip r:embed="rId4">
+            <a:extLst>
+              <a:ext uri="{28A0092B-C50C-407E-A947-70E740481C1C}">
+                <a14:useLocalDpi xmlns:a14="http://schemas.microsoft.com/office/drawing/2010/main" val="0"/>
+              </a:ext>
+            </a:extLst>
+          </a:blip>
+          <a:srcRect/>
+          <a:stretch>
+            <a:fillRect/>
+          </a:stretch>
+        </p:blipFill>
+        <p:spPr bwMode="auto">
+          <a:xfrm>
+            <a:off x="5134009" y="4392898"/>
+            <a:ext cx="1630686" cy="1085449"/>
           </a:xfrm>
           <a:prstGeom prst="rect">
             <a:avLst/>
@@ -12509,11 +12562,11 @@
   <p:clrMapOvr>
     <a:masterClrMapping/>
   </p:clrMapOvr>
-  <mc:AlternateContent xmlns:mc="http://schemas.openxmlformats.org/markup-compatibility/2006">
-    <mc:Choice xmlns:p14="http://schemas.microsoft.com/office/powerpoint/2010/main" Requires="p14">
+  <mc:AlternateContent xmlns:mc="http://schemas.openxmlformats.org/markup-compatibility/2006" xmlns:p14="http://schemas.microsoft.com/office/powerpoint/2010/main">
+    <mc:Choice Requires="p14">
       <p:transition p14:dur="0"/>
     </mc:Choice>
-    <mc:Fallback>
+    <mc:Fallback xmlns="">
       <p:transition/>
     </mc:Fallback>
   </mc:AlternateContent>
@@ -12740,11 +12793,11 @@
   <p:clrMapOvr>
     <a:masterClrMapping/>
   </p:clrMapOvr>
-  <mc:AlternateContent xmlns:mc="http://schemas.openxmlformats.org/markup-compatibility/2006">
-    <mc:Choice xmlns:p14="http://schemas.microsoft.com/office/powerpoint/2010/main" Requires="p14">
+  <mc:AlternateContent xmlns:mc="http://schemas.openxmlformats.org/markup-compatibility/2006" xmlns:p14="http://schemas.microsoft.com/office/powerpoint/2010/main">
+    <mc:Choice Requires="p14">
       <p:transition p14:dur="0"/>
     </mc:Choice>
-    <mc:Fallback>
+    <mc:Fallback xmlns="">
       <p:transition/>
     </mc:Fallback>
   </mc:AlternateContent>
@@ -13574,11 +13627,11 @@
   <p:clrMapOvr>
     <a:masterClrMapping/>
   </p:clrMapOvr>
-  <mc:AlternateContent xmlns:mc="http://schemas.openxmlformats.org/markup-compatibility/2006">
-    <mc:Choice xmlns:p14="http://schemas.microsoft.com/office/powerpoint/2010/main" Requires="p14">
+  <mc:AlternateContent xmlns:mc="http://schemas.openxmlformats.org/markup-compatibility/2006" xmlns:p14="http://schemas.microsoft.com/office/powerpoint/2010/main">
+    <mc:Choice Requires="p14">
       <p:transition p14:dur="0"/>
     </mc:Choice>
-    <mc:Fallback>
+    <mc:Fallback xmlns="">
       <p:transition/>
     </mc:Fallback>
   </mc:AlternateContent>
@@ -13856,11 +13909,11 @@
   <p:clrMapOvr>
     <a:masterClrMapping/>
   </p:clrMapOvr>
-  <mc:AlternateContent xmlns:mc="http://schemas.openxmlformats.org/markup-compatibility/2006">
-    <mc:Choice xmlns:p14="http://schemas.microsoft.com/office/powerpoint/2010/main" Requires="p14">
+  <mc:AlternateContent xmlns:mc="http://schemas.openxmlformats.org/markup-compatibility/2006" xmlns:p14="http://schemas.microsoft.com/office/powerpoint/2010/main">
+    <mc:Choice Requires="p14">
       <p:transition p14:dur="0"/>
     </mc:Choice>
-    <mc:Fallback>
+    <mc:Fallback xmlns="">
       <p:transition/>
     </mc:Fallback>
   </mc:AlternateContent>
@@ -14231,11 +14284,11 @@
   <p:clrMapOvr>
     <a:masterClrMapping/>
   </p:clrMapOvr>
-  <mc:AlternateContent xmlns:mc="http://schemas.openxmlformats.org/markup-compatibility/2006">
-    <mc:Choice xmlns:p14="http://schemas.microsoft.com/office/powerpoint/2010/main" Requires="p14">
+  <mc:AlternateContent xmlns:mc="http://schemas.openxmlformats.org/markup-compatibility/2006" xmlns:p14="http://schemas.microsoft.com/office/powerpoint/2010/main">
+    <mc:Choice Requires="p14">
       <p:transition p14:dur="0"/>
     </mc:Choice>
-    <mc:Fallback>
+    <mc:Fallback xmlns="">
       <p:transition/>
     </mc:Fallback>
   </mc:AlternateContent>
@@ -14440,11 +14493,11 @@
   <p:clrMapOvr>
     <a:masterClrMapping/>
   </p:clrMapOvr>
-  <mc:AlternateContent xmlns:mc="http://schemas.openxmlformats.org/markup-compatibility/2006">
-    <mc:Choice xmlns:p14="http://schemas.microsoft.com/office/powerpoint/2010/main" Requires="p14">
+  <mc:AlternateContent xmlns:mc="http://schemas.openxmlformats.org/markup-compatibility/2006" xmlns:p14="http://schemas.microsoft.com/office/powerpoint/2010/main">
+    <mc:Choice Requires="p14">
       <p:transition p14:dur="0"/>
     </mc:Choice>
-    <mc:Fallback>
+    <mc:Fallback xmlns="">
       <p:transition/>
     </mc:Fallback>
   </mc:AlternateContent>
@@ -15298,18 +15351,18 @@
 </file>
 
 <file path=customXml/item1.xml><?xml version="1.0" encoding="utf-8"?>
+<p:properties xmlns:p="http://schemas.microsoft.com/office/2006/metadata/properties" xmlns:xsi="http://www.w3.org/2001/XMLSchema-instance" xmlns:pc="http://schemas.microsoft.com/office/infopath/2007/PartnerControls">
+  <documentManagement/>
+</p:properties>
+</file>
+
+<file path=customXml/item2.xml><?xml version="1.0" encoding="utf-8"?>
 <?mso-contentType ?>
 <FormTemplates xmlns="http://schemas.microsoft.com/sharepoint/v3/contenttype/forms">
   <Display>DocumentLibraryForm</Display>
   <Edit>DocumentLibraryForm</Edit>
   <New>DocumentLibraryForm</New>
 </FormTemplates>
-</file>
-
-<file path=customXml/item2.xml><?xml version="1.0" encoding="utf-8"?>
-<p:properties xmlns:p="http://schemas.microsoft.com/office/2006/metadata/properties" xmlns:xsi="http://www.w3.org/2001/XMLSchema-instance" xmlns:pc="http://schemas.microsoft.com/office/infopath/2007/PartnerControls">
-  <documentManagement/>
-</p:properties>
 </file>
 
 <file path=customXml/item3.xml><?xml version="1.0" encoding="utf-8"?>
@@ -15484,14 +15537,6 @@
 </file>
 
 <file path=customXml/itemProps1.xml><?xml version="1.0" encoding="utf-8"?>
-<ds:datastoreItem xmlns:ds="http://schemas.openxmlformats.org/officeDocument/2006/customXml" ds:itemID="{FE3B45D0-D4AF-4554-ACE0-76CF3C766B63}">
-  <ds:schemaRefs>
-    <ds:schemaRef ds:uri="http://schemas.microsoft.com/sharepoint/v3/contenttype/forms"/>
-  </ds:schemaRefs>
-</ds:datastoreItem>
-</file>
-
-<file path=customXml/itemProps2.xml><?xml version="1.0" encoding="utf-8"?>
 <ds:datastoreItem xmlns:ds="http://schemas.openxmlformats.org/officeDocument/2006/customXml" ds:itemID="{116F240A-73AD-4EFC-9D55-049F6E6AFF88}">
   <ds:schemaRefs>
     <ds:schemaRef ds:uri="http://www.w3.org/XML/1998/namespace"/>
@@ -15504,6 +15549,14 @@
     <ds:schemaRef ds:uri="http://schemas.microsoft.com/office/infopath/2007/PartnerControls"/>
     <ds:schemaRef ds:uri="ec352249-fa3d-41a8-bfe0-e221ad5a043f"/>
     <ds:schemaRef ds:uri="http://purl.org/dc/elements/1.1/"/>
+  </ds:schemaRefs>
+</ds:datastoreItem>
+</file>
+
+<file path=customXml/itemProps2.xml><?xml version="1.0" encoding="utf-8"?>
+<ds:datastoreItem xmlns:ds="http://schemas.openxmlformats.org/officeDocument/2006/customXml" ds:itemID="{FE3B45D0-D4AF-4554-ACE0-76CF3C766B63}">
+  <ds:schemaRefs>
+    <ds:schemaRef ds:uri="http://schemas.microsoft.com/sharepoint/v3/contenttype/forms"/>
   </ds:schemaRefs>
 </ds:datastoreItem>
 </file>
